--- a/Seminar/Storm /Slide_Storm.pptx
+++ b/Seminar/Storm /Slide_Storm.pptx
@@ -6079,7 +6079,7 @@
       </p:pic>
       <p:pic>
         <p:nvPicPr>
-          <p:cNvPr id="8" name="Picture 7"/>
+          <p:cNvPr id="9" name="Picture 8"/>
           <p:cNvPicPr>
             <a:picLocks noChangeAspect="1"/>
           </p:cNvPicPr>
@@ -6099,8 +6099,8 @@
         </p:blipFill>
         <p:spPr>
           <a:xfrm>
-            <a:off x="1360966" y="1025802"/>
-            <a:ext cx="1350336" cy="1350336"/>
+            <a:off x="329609" y="3112089"/>
+            <a:ext cx="3413051" cy="1422105"/>
           </a:xfrm>
           <a:prstGeom prst="rect">
             <a:avLst/>
@@ -6109,7 +6109,7 @@
       </p:pic>
       <p:pic>
         <p:nvPicPr>
-          <p:cNvPr id="9" name="Picture 8"/>
+          <p:cNvPr id="10" name="Picture 9"/>
           <p:cNvPicPr>
             <a:picLocks noChangeAspect="1"/>
           </p:cNvPicPr>
@@ -6129,8 +6129,8 @@
         </p:blipFill>
         <p:spPr>
           <a:xfrm>
-            <a:off x="329609" y="3112089"/>
-            <a:ext cx="3413051" cy="1422105"/>
+            <a:off x="373172" y="1042413"/>
+            <a:ext cx="3369488" cy="1567204"/>
           </a:xfrm>
           <a:prstGeom prst="rect">
             <a:avLst/>
@@ -9985,7 +9985,7 @@
           <a:graphicData uri="http://schemas.openxmlformats.org/presentationml/2006/ole">
             <mc:AlternateContent xmlns:mc="http://schemas.openxmlformats.org/markup-compatibility/2006">
               <mc:Choice xmlns:v="urn:schemas-microsoft-com:vml" Requires="v">
-                <p:oleObj spid="_x0000_s1033" r:id="rId3" imgW="6523810" imgH="3257143" progId="StaticDib">
+                <p:oleObj spid="_x0000_s1034" r:id="rId3" imgW="6523810" imgH="3257143" progId="StaticDib">
                   <p:embed/>
                 </p:oleObj>
               </mc:Choice>
@@ -12289,7 +12289,7 @@
           <a:graphicData uri="http://schemas.openxmlformats.org/presentationml/2006/ole">
             <mc:AlternateContent xmlns:mc="http://schemas.openxmlformats.org/markup-compatibility/2006">
               <mc:Choice xmlns:v="urn:schemas-microsoft-com:vml" Requires="v">
-                <p:oleObj spid="_x0000_s2055" r:id="rId3" imgW="6809524" imgH="1657143" progId="StaticDib">
+                <p:oleObj spid="_x0000_s2056" r:id="rId3" imgW="6809524" imgH="1657143" progId="StaticDib">
                   <p:embed/>
                 </p:oleObj>
               </mc:Choice>
@@ -13113,7 +13113,7 @@
           <a:graphicData uri="http://schemas.openxmlformats.org/presentationml/2006/ole">
             <mc:AlternateContent xmlns:mc="http://schemas.openxmlformats.org/markup-compatibility/2006">
               <mc:Choice xmlns:v="urn:schemas-microsoft-com:vml" Requires="v">
-                <p:oleObj spid="_x0000_s3079" r:id="rId3" imgW="6838095" imgH="3285714" progId="StaticDib">
+                <p:oleObj spid="_x0000_s3080" r:id="rId3" imgW="6838095" imgH="3285714" progId="StaticDib">
                   <p:embed/>
                 </p:oleObj>
               </mc:Choice>

--- a/Seminar/Storm /Slide_Storm.pptx
+++ b/Seminar/Storm /Slide_Storm.pptx
@@ -9586,36 +9586,8 @@
               <a:t> </a:t>
             </a:r>
             <a:r>
-              <a:rPr lang="en-US" dirty="0" err="1" smtClean="0"/>
-              <a:t>dựa</a:t>
-            </a:r>
-            <a:r>
               <a:rPr lang="en-US" dirty="0" smtClean="0"/>
-              <a:t> </a:t>
-            </a:r>
-            <a:r>
-              <a:rPr lang="en-US" dirty="0" err="1" smtClean="0"/>
-              <a:t>trên</a:t>
-            </a:r>
-            <a:r>
-              <a:rPr lang="en-US" dirty="0" smtClean="0"/>
-              <a:t> </a:t>
-            </a:r>
-            <a:r>
-              <a:rPr lang="en-US" dirty="0" err="1" smtClean="0"/>
-              <a:t>môi</a:t>
-            </a:r>
-            <a:r>
-              <a:rPr lang="en-US" dirty="0" smtClean="0"/>
-              <a:t> </a:t>
-            </a:r>
-            <a:r>
-              <a:rPr lang="en-US" dirty="0" err="1" smtClean="0"/>
-              <a:t>trường</a:t>
-            </a:r>
-            <a:r>
-              <a:rPr lang="en-US" dirty="0" smtClean="0"/>
-              <a:t> JAVA : Scala </a:t>
+              <a:t>: java </a:t>
             </a:r>
             <a:r>
               <a:rPr lang="en-US" dirty="0" err="1" smtClean="0"/>
@@ -9625,6 +9597,11 @@
               <a:rPr lang="en-US" dirty="0" smtClean="0"/>
               <a:t> </a:t>
             </a:r>
+            <a:r>
+              <a:rPr lang="en-US" dirty="0" err="1" smtClean="0"/>
+              <a:t>Clojure</a:t>
+            </a:r>
+            <a:endParaRPr lang="en-US" dirty="0" smtClean="0"/>
           </a:p>
           <a:p>
             <a:pPr marL="285750" indent="-285750">
@@ -9687,6 +9664,46 @@
               <a:rPr lang="en-US" dirty="0" smtClean="0"/>
               <a:t> 9 /2011. </a:t>
             </a:r>
+            <a:endParaRPr lang="en-US" dirty="0" smtClean="0"/>
+          </a:p>
+          <a:p>
+            <a:pPr marL="285750" indent="-285750">
+              <a:buFont typeface="Wingdings" charset="2"/>
+              <a:buChar char="§"/>
+            </a:pPr>
+            <a:r>
+              <a:rPr lang="en-US" dirty="0" err="1" smtClean="0"/>
+              <a:t>Phiên</a:t>
+            </a:r>
+            <a:r>
+              <a:rPr lang="en-US" dirty="0" smtClean="0"/>
+              <a:t> </a:t>
+            </a:r>
+            <a:r>
+              <a:rPr lang="en-US" dirty="0" err="1" smtClean="0"/>
+              <a:t>bản</a:t>
+            </a:r>
+            <a:r>
+              <a:rPr lang="en-US" dirty="0" smtClean="0"/>
+              <a:t> </a:t>
+            </a:r>
+            <a:r>
+              <a:rPr lang="en-US" dirty="0" err="1" smtClean="0"/>
+              <a:t>hiện</a:t>
+            </a:r>
+            <a:r>
+              <a:rPr lang="en-US" dirty="0" smtClean="0"/>
+              <a:t> </a:t>
+            </a:r>
+            <a:r>
+              <a:rPr lang="en-US" dirty="0" err="1" smtClean="0"/>
+              <a:t>tại</a:t>
+            </a:r>
+            <a:r>
+              <a:rPr lang="en-US" smtClean="0"/>
+              <a:t> : 1.0.5. </a:t>
+            </a:r>
+            <a:endParaRPr lang="en-US" dirty="0" smtClean="0"/>
           </a:p>
           <a:p>
             <a:pPr marL="285750" indent="-285750">
@@ -9985,7 +10002,7 @@
           <a:graphicData uri="http://schemas.openxmlformats.org/presentationml/2006/ole">
             <mc:AlternateContent xmlns:mc="http://schemas.openxmlformats.org/markup-compatibility/2006">
               <mc:Choice xmlns:v="urn:schemas-microsoft-com:vml" Requires="v">
-                <p:oleObj spid="_x0000_s1034" r:id="rId3" imgW="6523810" imgH="3257143" progId="StaticDib">
+                <p:oleObj spid="_x0000_s1036" r:id="rId3" imgW="6523810" imgH="3257143" progId="StaticDib">
                   <p:embed/>
                 </p:oleObj>
               </mc:Choice>
@@ -11738,7 +11755,6 @@
               <a:rPr lang="en-US" dirty="0"/>
               <a:t> </a:t>
             </a:r>
-            <a:endParaRPr lang="en-US" dirty="0"/>
           </a:p>
           <a:p>
             <a:pPr>
@@ -12169,7 +12185,6 @@
               <a:rPr lang="en-US" dirty="0"/>
               <a:t> Spout. </a:t>
             </a:r>
-            <a:endParaRPr lang="en-US" dirty="0"/>
           </a:p>
         </p:txBody>
       </p:sp>
@@ -12289,7 +12304,7 @@
           <a:graphicData uri="http://schemas.openxmlformats.org/presentationml/2006/ole">
             <mc:AlternateContent xmlns:mc="http://schemas.openxmlformats.org/markup-compatibility/2006">
               <mc:Choice xmlns:v="urn:schemas-microsoft-com:vml" Requires="v">
-                <p:oleObj spid="_x0000_s2056" r:id="rId3" imgW="6809524" imgH="1657143" progId="StaticDib">
+                <p:oleObj spid="_x0000_s2058" r:id="rId3" imgW="6809524" imgH="1657143" progId="StaticDib">
                   <p:embed/>
                 </p:oleObj>
               </mc:Choice>
@@ -12564,11 +12579,7 @@
             </a:r>
             <a:r>
               <a:rPr lang="en-US" dirty="0"/>
-              <a:t> Storm.</a:t>
-            </a:r>
-            <a:r>
-              <a:rPr lang="en-US" dirty="0"/>
-              <a:t> </a:t>
+              <a:t> Storm. </a:t>
             </a:r>
             <a:endParaRPr lang="en-US" dirty="0" smtClean="0"/>
           </a:p>
@@ -12988,11 +12999,7 @@
             </a:r>
             <a:r>
               <a:rPr lang="en-US" dirty="0"/>
-              <a:t>.</a:t>
-            </a:r>
-            <a:r>
-              <a:rPr lang="en-US" dirty="0"/>
-              <a:t> </a:t>
+              <a:t>. </a:t>
             </a:r>
           </a:p>
         </p:txBody>
@@ -13113,7 +13120,7 @@
           <a:graphicData uri="http://schemas.openxmlformats.org/presentationml/2006/ole">
             <mc:AlternateContent xmlns:mc="http://schemas.openxmlformats.org/markup-compatibility/2006">
               <mc:Choice xmlns:v="urn:schemas-microsoft-com:vml" Requires="v">
-                <p:oleObj spid="_x0000_s3080" r:id="rId3" imgW="6838095" imgH="3285714" progId="StaticDib">
+                <p:oleObj spid="_x0000_s3082" r:id="rId3" imgW="6838095" imgH="3285714" progId="StaticDib">
                   <p:embed/>
                 </p:oleObj>
               </mc:Choice>

--- a/Seminar/Storm /Slide_Storm.pptx
+++ b/Seminar/Storm /Slide_Storm.pptx
@@ -9700,8 +9700,16 @@
               <a:t>tại</a:t>
             </a:r>
             <a:r>
+              <a:rPr lang="en-US" dirty="0" smtClean="0"/>
+              <a:t> : 1.0.5. ( </a:t>
+            </a:r>
+            <a:r>
+              <a:rPr lang="en-US" dirty="0" err="1" smtClean="0"/>
+              <a:t>Tháng</a:t>
+            </a:r>
+            <a:r>
               <a:rPr lang="en-US" smtClean="0"/>
-              <a:t> : 1.0.5. </a:t>
+              <a:t> 9/2017)</a:t>
             </a:r>
             <a:endParaRPr lang="en-US" dirty="0" smtClean="0"/>
           </a:p>
@@ -10002,7 +10010,7 @@
           <a:graphicData uri="http://schemas.openxmlformats.org/presentationml/2006/ole">
             <mc:AlternateContent xmlns:mc="http://schemas.openxmlformats.org/markup-compatibility/2006">
               <mc:Choice xmlns:v="urn:schemas-microsoft-com:vml" Requires="v">
-                <p:oleObj spid="_x0000_s1036" r:id="rId3" imgW="6523810" imgH="3257143" progId="StaticDib">
+                <p:oleObj spid="_x0000_s1037" r:id="rId3" imgW="6523810" imgH="3257143" progId="StaticDib">
                   <p:embed/>
                 </p:oleObj>
               </mc:Choice>
@@ -12304,7 +12312,7 @@
           <a:graphicData uri="http://schemas.openxmlformats.org/presentationml/2006/ole">
             <mc:AlternateContent xmlns:mc="http://schemas.openxmlformats.org/markup-compatibility/2006">
               <mc:Choice xmlns:v="urn:schemas-microsoft-com:vml" Requires="v">
-                <p:oleObj spid="_x0000_s2058" r:id="rId3" imgW="6809524" imgH="1657143" progId="StaticDib">
+                <p:oleObj spid="_x0000_s2059" r:id="rId3" imgW="6809524" imgH="1657143" progId="StaticDib">
                   <p:embed/>
                 </p:oleObj>
               </mc:Choice>
@@ -13120,7 +13128,7 @@
           <a:graphicData uri="http://schemas.openxmlformats.org/presentationml/2006/ole">
             <mc:AlternateContent xmlns:mc="http://schemas.openxmlformats.org/markup-compatibility/2006">
               <mc:Choice xmlns:v="urn:schemas-microsoft-com:vml" Requires="v">
-                <p:oleObj spid="_x0000_s3082" r:id="rId3" imgW="6838095" imgH="3285714" progId="StaticDib">
+                <p:oleObj spid="_x0000_s3083" r:id="rId3" imgW="6838095" imgH="3285714" progId="StaticDib">
                   <p:embed/>
                 </p:oleObj>
               </mc:Choice>
